--- a/HTML CSS.pptx
+++ b/HTML CSS.pptx
@@ -238,7 +238,7 @@
               <a:rPr lang="ko-KR" altLang="en-US" smtClean="0">
                 <a:latin typeface="+mn-ea"/>
               </a:rPr>
-              <a:t>2022-04-26</a:t>
+              <a:t>2022-04-27</a:t>
             </a:fld>
             <a:endParaRPr lang="ko-KR" altLang="en-US" dirty="0">
               <a:latin typeface="+mn-ea"/>
@@ -420,7 +420,7 @@
           <a:p>
             <a:fld id="{397745C1-A948-4857-A6FE-C71E07FE2CC6}" type="datetime1">
               <a:rPr lang="ko-KR" altLang="en-US" smtClean="0"/>
-              <a:t>2022-04-26</a:t>
+              <a:t>2022-04-27</a:t>
             </a:fld>
             <a:endParaRPr lang="ko-KR" altLang="en-US" dirty="0"/>
           </a:p>
@@ -1480,7 +1480,7 @@
             <a:fld id="{B61BEF0D-F0BB-DE4B-95CE-6DB70DBA9567}" type="datetimeFigureOut">
               <a:rPr lang="en-US" smtClean="0"/>
               <a:pPr/>
-              <a:t>4/26/2022</a:t>
+              <a:t>4/27/2022</a:t>
             </a:fld>
             <a:endParaRPr lang="en-US" dirty="0"/>
           </a:p>
@@ -1831,7 +1831,7 @@
           <a:p>
             <a:fld id="{8B858D52-AA5F-4806-9C6F-D2E4C47ECC08}" type="datetime1">
               <a:rPr lang="ko-KR" altLang="en-US" noProof="0" smtClean="0"/>
-              <a:t>2022-04-26</a:t>
+              <a:t>2022-04-27</a:t>
             </a:fld>
             <a:endParaRPr lang="ko-KR" altLang="en-US" noProof="0" dirty="0"/>
           </a:p>
@@ -2234,7 +2234,7 @@
           <a:p>
             <a:fld id="{8B858D52-AA5F-4806-9C6F-D2E4C47ECC08}" type="datetime1">
               <a:rPr lang="ko-KR" altLang="en-US" noProof="0" smtClean="0"/>
-              <a:t>2022-04-26</a:t>
+              <a:t>2022-04-27</a:t>
             </a:fld>
             <a:endParaRPr lang="ko-KR" altLang="en-US" noProof="0" dirty="0"/>
           </a:p>
@@ -2572,7 +2572,7 @@
           <a:p>
             <a:fld id="{8B858D52-AA5F-4806-9C6F-D2E4C47ECC08}" type="datetime1">
               <a:rPr lang="ko-KR" altLang="en-US" noProof="0" smtClean="0"/>
-              <a:t>2022-04-26</a:t>
+              <a:t>2022-04-27</a:t>
             </a:fld>
             <a:endParaRPr lang="ko-KR" altLang="en-US" noProof="0" dirty="0"/>
           </a:p>
@@ -2894,7 +2894,7 @@
           <a:p>
             <a:fld id="{8B858D52-AA5F-4806-9C6F-D2E4C47ECC08}" type="datetime1">
               <a:rPr lang="ko-KR" altLang="en-US" noProof="0" smtClean="0"/>
-              <a:t>2022-04-26</a:t>
+              <a:t>2022-04-27</a:t>
             </a:fld>
             <a:endParaRPr lang="ko-KR" altLang="en-US" noProof="0" dirty="0"/>
           </a:p>
@@ -3292,7 +3292,7 @@
           <a:p>
             <a:fld id="{8B858D52-AA5F-4806-9C6F-D2E4C47ECC08}" type="datetime1">
               <a:rPr lang="ko-KR" altLang="en-US" noProof="0" smtClean="0"/>
-              <a:t>2022-04-26</a:t>
+              <a:t>2022-04-27</a:t>
             </a:fld>
             <a:endParaRPr lang="ko-KR" altLang="en-US" noProof="0" dirty="0"/>
           </a:p>
@@ -3552,7 +3552,7 @@
             <a:pPr rtl="0"/>
             <a:fld id="{30C25414-962D-4126-95A3-600CB1D50962}" type="datetime1">
               <a:rPr lang="ko-KR" altLang="en-US" smtClean="0"/>
-              <a:t>2022-04-26</a:t>
+              <a:t>2022-04-27</a:t>
             </a:fld>
             <a:endParaRPr lang="ko-KR" altLang="en-US" dirty="0"/>
           </a:p>
@@ -3829,7 +3829,7 @@
             <a:pPr rtl="0"/>
             <a:fld id="{E90AAAF4-B023-4F11-8BC4-40E184001277}" type="datetime1">
               <a:rPr lang="ko-KR" altLang="en-US" noProof="0" smtClean="0"/>
-              <a:t>2022-04-26</a:t>
+              <a:t>2022-04-27</a:t>
             </a:fld>
             <a:endParaRPr lang="ko-KR" altLang="en-US" noProof="0" dirty="0"/>
           </a:p>
@@ -13296,7 +13296,7 @@
             <a:pPr rtl="0"/>
             <a:fld id="{A737608D-1C69-4016-8D0F-BF9CD95494C5}" type="datetime1">
               <a:rPr lang="ko-KR" altLang="en-US" smtClean="0"/>
-              <a:t>2022-04-26</a:t>
+              <a:t>2022-04-27</a:t>
             </a:fld>
             <a:endParaRPr lang="ko-KR" altLang="en-US" dirty="0"/>
           </a:p>
@@ -13555,7 +13555,7 @@
           <a:p>
             <a:fld id="{E260582E-7A65-437C-8D28-2CCA48D478B1}" type="datetime1">
               <a:rPr lang="ko-KR" altLang="en-US" smtClean="0"/>
-              <a:t>2022-04-26</a:t>
+              <a:t>2022-04-27</a:t>
             </a:fld>
             <a:endParaRPr lang="ko-KR" altLang="en-US" dirty="0"/>
           </a:p>
@@ -13898,7 +13898,7 @@
             <a:pPr rtl="0"/>
             <a:fld id="{8485352F-80AB-4FF1-AE87-04B0FB46C4A6}" type="datetime1">
               <a:rPr lang="ko-KR" altLang="en-US" smtClean="0"/>
-              <a:t>2022-04-26</a:t>
+              <a:t>2022-04-27</a:t>
             </a:fld>
             <a:endParaRPr lang="ko-KR" altLang="en-US" dirty="0"/>
           </a:p>
@@ -14235,7 +14235,7 @@
           <a:p>
             <a:fld id="{8B858D52-AA5F-4806-9C6F-D2E4C47ECC08}" type="datetime1">
               <a:rPr lang="ko-KR" altLang="en-US" noProof="0" smtClean="0"/>
-              <a:t>2022-04-26</a:t>
+              <a:t>2022-04-27</a:t>
             </a:fld>
             <a:endParaRPr lang="ko-KR" altLang="en-US" noProof="0" dirty="0"/>
           </a:p>
@@ -14694,7 +14694,7 @@
           <a:p>
             <a:fld id="{8B858D52-AA5F-4806-9C6F-D2E4C47ECC08}" type="datetime1">
               <a:rPr lang="ko-KR" altLang="en-US" noProof="0" smtClean="0"/>
-              <a:t>2022-04-26</a:t>
+              <a:t>2022-04-27</a:t>
             </a:fld>
             <a:endParaRPr lang="ko-KR" altLang="en-US" noProof="0" dirty="0"/>
           </a:p>
@@ -14902,7 +14902,7 @@
             <a:pPr rtl="0"/>
             <a:fld id="{ED7D8DD6-5756-4386-AA2C-4FE3FAD46F08}" type="datetime1">
               <a:rPr lang="ko-KR" altLang="en-US" smtClean="0"/>
-              <a:t>2022-04-26</a:t>
+              <a:t>2022-04-27</a:t>
             </a:fld>
             <a:endParaRPr lang="ko-KR" altLang="en-US" dirty="0"/>
           </a:p>
@@ -15093,7 +15093,7 @@
           <a:p>
             <a:fld id="{8B858D52-AA5F-4806-9C6F-D2E4C47ECC08}" type="datetime1">
               <a:rPr lang="ko-KR" altLang="en-US" noProof="0" smtClean="0"/>
-              <a:t>2022-04-26</a:t>
+              <a:t>2022-04-27</a:t>
             </a:fld>
             <a:endParaRPr lang="ko-KR" altLang="en-US" noProof="0" dirty="0"/>
           </a:p>
@@ -15429,7 +15429,7 @@
             <a:pPr rtl="0"/>
             <a:fld id="{48A9038E-9B6B-453E-BFC0-BB741C130533}" type="datetime1">
               <a:rPr lang="ko-KR" altLang="en-US" smtClean="0"/>
-              <a:t>2022-04-26</a:t>
+              <a:t>2022-04-27</a:t>
             </a:fld>
             <a:endParaRPr lang="ko-KR" altLang="en-US" dirty="0"/>
           </a:p>
@@ -15789,7 +15789,7 @@
             <a:pPr rtl="0"/>
             <a:fld id="{B0466A3C-CD7B-41E4-AAC8-8FEE9D856C7D}" type="datetime1">
               <a:rPr lang="ko-KR" altLang="en-US" smtClean="0"/>
-              <a:t>2022-04-26</a:t>
+              <a:t>2022-04-27</a:t>
             </a:fld>
             <a:endParaRPr lang="ko-KR" altLang="en-US" dirty="0"/>
           </a:p>
@@ -17920,7 +17920,7 @@
           <a:p>
             <a:fld id="{8B858D52-AA5F-4806-9C6F-D2E4C47ECC08}" type="datetime1">
               <a:rPr lang="ko-KR" altLang="en-US" noProof="0" smtClean="0"/>
-              <a:t>2022-04-26</a:t>
+              <a:t>2022-04-27</a:t>
             </a:fld>
             <a:endParaRPr lang="ko-KR" altLang="en-US" noProof="0" dirty="0"/>
           </a:p>
@@ -18606,8 +18606,8 @@
         </p:blipFill>
         <p:spPr>
           <a:xfrm>
-            <a:off x="2351290" y="2057400"/>
-            <a:ext cx="7486243" cy="3778250"/>
+            <a:off x="1065212" y="1447800"/>
+            <a:ext cx="10210800" cy="5153313"/>
           </a:xfrm>
         </p:spPr>
       </p:pic>
@@ -18707,8 +18707,8 @@
         </p:blipFill>
         <p:spPr>
           <a:xfrm>
-            <a:off x="1217612" y="2209800"/>
-            <a:ext cx="7572308" cy="3778250"/>
+            <a:off x="1325354" y="1498996"/>
+            <a:ext cx="9372600" cy="4676517"/>
           </a:xfrm>
         </p:spPr>
       </p:pic>
@@ -18810,39 +18810,9 @@
         </p:blipFill>
         <p:spPr>
           <a:xfrm>
-            <a:off x="8151812" y="2057400"/>
-            <a:ext cx="3657731" cy="3778250"/>
+            <a:off x="3046412" y="1808921"/>
+            <a:ext cx="5791200" cy="5029201"/>
           </a:xfrm>
-        </p:spPr>
-      </p:pic>
-      <p:pic>
-        <p:nvPicPr>
-          <p:cNvPr id="4" name="내용 개체 틀 2">
-            <a:extLst>
-              <a:ext uri="{FF2B5EF4-FFF2-40B4-BE49-F238E27FC236}">
-                <a16:creationId xmlns:a16="http://schemas.microsoft.com/office/drawing/2014/main" id="{976AEF30-8023-4ED6-A857-47C57B363913}"/>
-              </a:ext>
-            </a:extLst>
-          </p:cNvPr>
-          <p:cNvPicPr>
-            <a:picLocks noChangeAspect="1"/>
-          </p:cNvPicPr>
-          <p:nvPr/>
-        </p:nvPicPr>
-        <p:blipFill>
-          <a:blip r:embed="rId4"/>
-          <a:stretch>
-            <a:fillRect/>
-          </a:stretch>
-        </p:blipFill>
-        <p:spPr>
-          <a:xfrm>
-            <a:off x="250859" y="2057400"/>
-            <a:ext cx="7572308" cy="3778250"/>
-          </a:xfrm>
-          <a:prstGeom prst="rect">
-            <a:avLst/>
-          </a:prstGeom>
         </p:spPr>
       </p:pic>
     </p:spTree>
@@ -19095,7 +19065,7 @@
         </p:blipFill>
         <p:spPr>
           <a:xfrm>
-            <a:off x="1519681" y="1905000"/>
+            <a:off x="1293812" y="1905000"/>
             <a:ext cx="4601217" cy="1752600"/>
           </a:xfrm>
           <a:prstGeom prst="rect">
@@ -19223,7 +19193,7 @@
         <p:spPr>
           <a:xfrm>
             <a:off x="5256212" y="1627230"/>
-            <a:ext cx="5533852" cy="4726488"/>
+            <a:ext cx="3733800" cy="4726488"/>
           </a:xfrm>
         </p:spPr>
       </p:pic>
